--- a/Organização/Entregas PA/Entrega_4/Poster.pptx
+++ b/Organização/Entregas PA/Entrega_4/Poster.pptx
@@ -2726,7 +2726,7 @@
         <p:spPr>
           <a:xfrm>
             <a:off x="1525680" y="19916280"/>
-            <a:ext cx="5646600" cy="4305494"/>
+            <a:ext cx="5646600" cy="3153705"/>
           </a:xfrm>
           <a:prstGeom prst="rect">
             <a:avLst/>
@@ -2770,7 +2770,7 @@
                 <a:latin typeface="Calibri" panose="020F0502020204030204" pitchFamily="34" charset="0"/>
                 <a:cs typeface="Calibri" panose="020F0502020204030204" pitchFamily="34" charset="0"/>
               </a:rPr>
-              <a:t>In the results and conclusions section of our poster on the IGYM mobile application, we would like to mention that the results presented were obtained through testing conducted by us during the app-building process. During these tests, we observed a significant increase in efficiency in business management for gyms using IGYM. This was achieved through the automation of repetitive tasks and access to real-time reports.</a:t>
+              <a:t>In the results and conclusions section of our poster on the IGYM mobile application, we would like to mention that the results presented were obtained through testing conducted by us during the app-building process. During these tests, we observed a significant increase in efficiency in business management for gyms using IGYM. </a:t>
             </a:r>
             <a:endParaRPr lang="en-US" sz="2400" b="0" strike="noStrike" spc="-1" dirty="0">
               <a:solidFill>
@@ -3107,7 +3107,7 @@
         <p:spPr>
           <a:xfrm>
             <a:off x="7918200" y="12299400"/>
-            <a:ext cx="11842560" cy="3153705"/>
+            <a:ext cx="11842560" cy="3538426"/>
           </a:xfrm>
           <a:prstGeom prst="rect">
             <a:avLst/>
@@ -3154,7 +3154,7 @@
                 <a:effectLst/>
                 <a:latin typeface="Söhne"/>
               </a:rPr>
-              <a:t>The IGYM mobile application was developed using the Android platform and tools such as Kotlin, Android Studio, and Ngrok. The API was created in C# on Visual Studio and the database was created with SQL Server. During the development process, we used the Scrum project management framework and weekly sprints to efficiently deliver the project.</a:t>
+              <a:t>The IGYM mobile application was developed using the Android platform and tools such as Kotlin, Android Studio, and Ngrok. The API was created in C# on Visual Studio and the database was created with SQL Server on Microsoft Server SQL Management Studio. During the development process, we used the Scrum project management framework and weekly sprints to efficiently deliver the project.</a:t>
             </a:r>
           </a:p>
           <a:p>
@@ -3599,7 +3599,52 @@
                 </a:solidFill>
                 <a:latin typeface="Calibri"/>
               </a:rPr>
-              <a:t>Mobile Application to manage a gym and to gym clients</a:t>
+              <a:t>Mobile Application to manage a gym </a:t>
+            </a:r>
+            <a:r>
+              <a:rPr lang="pt-PT" sz="4000" b="1" spc="-1" dirty="0" err="1">
+                <a:solidFill>
+                  <a:srgbClr val="004B87"/>
+                </a:solidFill>
+                <a:latin typeface="Calibri"/>
+              </a:rPr>
+              <a:t>and</a:t>
+            </a:r>
+            <a:r>
+              <a:rPr lang="pt-PT" sz="4000" b="1" spc="-1" dirty="0">
+                <a:solidFill>
+                  <a:srgbClr val="004B87"/>
+                </a:solidFill>
+                <a:latin typeface="Calibri"/>
+              </a:rPr>
+              <a:t> </a:t>
+            </a:r>
+            <a:r>
+              <a:rPr lang="pt-PT" sz="4000" b="1" spc="-1" dirty="0" err="1">
+                <a:solidFill>
+                  <a:srgbClr val="004B87"/>
+                </a:solidFill>
+                <a:latin typeface="Calibri"/>
+              </a:rPr>
+              <a:t>it’s</a:t>
+            </a:r>
+            <a:r>
+              <a:rPr lang="pt-PT" sz="4000" b="1" spc="-1" dirty="0">
+                <a:solidFill>
+                  <a:srgbClr val="004B87"/>
+                </a:solidFill>
+                <a:latin typeface="Calibri"/>
+              </a:rPr>
+              <a:t> </a:t>
+            </a:r>
+            <a:r>
+              <a:rPr lang="pt-PT" sz="4000" b="1" spc="-1" dirty="0" err="1">
+                <a:solidFill>
+                  <a:srgbClr val="004B87"/>
+                </a:solidFill>
+                <a:latin typeface="Calibri"/>
+              </a:rPr>
+              <a:t>clients</a:t>
             </a:r>
             <a:br>
               <a:rPr lang="pt-PT" sz="3200" b="1" spc="-1" dirty="0">
@@ -3661,13 +3706,13 @@
               </a:lnSpc>
             </a:pPr>
             <a:r>
-              <a:rPr lang="pt-PT" sz="2400" i="1" spc="-1" dirty="0">
+              <a:rPr lang="pt-PT" sz="2400" i="1" spc="-1" dirty="0" err="1">
                 <a:solidFill>
                   <a:srgbClr val="004B87"/>
                 </a:solidFill>
                 <a:latin typeface="Calibri"/>
               </a:rPr>
-              <a:t>Student</a:t>
+              <a:t>Students</a:t>
             </a:r>
             <a:r>
               <a:rPr lang="pt-PT" sz="2400" b="0" i="1" strike="noStrike" spc="-1" dirty="0">
